--- a/lectures_strang_en/Lecture_17_Strang_EN.pptx
+++ b/lectures_strang_en/Lecture_17_Strang_EN.pptx
@@ -236,7 +236,7 @@
           <a:p>
             <a:fld id="{C7B76BB3-96B4-D949-BA97-2F034CC20E35}" type="datetimeFigureOut">
               <a:rPr lang="es-ES_tradnl" smtClean="0"/>
-              <a:t>6/5/20</a:t>
+              <a:t>4/6/22</a:t>
             </a:fld>
             <a:endParaRPr lang="es-ES_tradnl"/>
           </a:p>
@@ -409,7 +409,7 @@
           <a:p>
             <a:fld id="{BC3897DA-3038-2943-8BC6-34E6C6DE6379}" type="datetimeFigureOut">
               <a:rPr lang="es-ES_tradnl" smtClean="0"/>
-              <a:t>6/5/20</a:t>
+              <a:t>4/6/22</a:t>
             </a:fld>
             <a:endParaRPr lang="es-ES_tradnl"/>
           </a:p>
@@ -1039,7 +1039,7 @@
             <a:fld id="{75EEBB46-7A81-4557-A313-00D814F92FCC}" type="datetimeFigureOut">
               <a:rPr lang="es-ES" smtClean="0"/>
               <a:pPr/>
-              <a:t>6/5/20</a:t>
+              <a:t>4/6/22</a:t>
             </a:fld>
             <a:endParaRPr lang="es-ES"/>
           </a:p>
@@ -1402,7 +1402,7 @@
             <a:fld id="{75EEBB46-7A81-4557-A313-00D814F92FCC}" type="datetimeFigureOut">
               <a:rPr lang="es-ES" smtClean="0"/>
               <a:pPr/>
-              <a:t>6/5/20</a:t>
+              <a:t>4/6/22</a:t>
             </a:fld>
             <a:endParaRPr lang="es-ES"/>
           </a:p>
@@ -1587,7 +1587,7 @@
             <a:fld id="{75EEBB46-7A81-4557-A313-00D814F92FCC}" type="datetimeFigureOut">
               <a:rPr lang="es-ES" smtClean="0"/>
               <a:pPr/>
-              <a:t>6/5/20</a:t>
+              <a:t>4/6/22</a:t>
             </a:fld>
             <a:endParaRPr lang="es-ES"/>
           </a:p>
@@ -1710,7 +1710,7 @@
             <a:fld id="{75EEBB46-7A81-4557-A313-00D814F92FCC}" type="datetimeFigureOut">
               <a:rPr lang="es-ES" smtClean="0"/>
               <a:pPr/>
-              <a:t>6/5/20</a:t>
+              <a:t>4/6/22</a:t>
             </a:fld>
             <a:endParaRPr lang="es-ES"/>
           </a:p>
@@ -2078,7 +2078,7 @@
             <a:fld id="{75EEBB46-7A81-4557-A313-00D814F92FCC}" type="datetimeFigureOut">
               <a:rPr lang="es-ES" smtClean="0"/>
               <a:pPr/>
-              <a:t>6/5/20</a:t>
+              <a:t>4/6/22</a:t>
             </a:fld>
             <a:endParaRPr lang="es-ES"/>
           </a:p>
@@ -2353,7 +2353,7 @@
             <a:fld id="{75EEBB46-7A81-4557-A313-00D814F92FCC}" type="datetimeFigureOut">
               <a:rPr lang="es-ES" smtClean="0"/>
               <a:pPr/>
-              <a:t>6/5/20</a:t>
+              <a:t>4/6/22</a:t>
             </a:fld>
             <a:endParaRPr lang="es-ES"/>
           </a:p>
@@ -2725,7 +2725,7 @@
             <a:fld id="{75EEBB46-7A81-4557-A313-00D814F92FCC}" type="datetimeFigureOut">
               <a:rPr lang="es-ES" smtClean="0"/>
               <a:pPr/>
-              <a:t>6/5/20</a:t>
+              <a:t>4/6/22</a:t>
             </a:fld>
             <a:endParaRPr lang="es-ES"/>
           </a:p>
@@ -2962,7 +2962,7 @@
             <a:fld id="{75EEBB46-7A81-4557-A313-00D814F92FCC}" type="datetimeFigureOut">
               <a:rPr lang="es-ES" smtClean="0"/>
               <a:pPr/>
-              <a:t>6/5/20</a:t>
+              <a:t>4/6/22</a:t>
             </a:fld>
             <a:endParaRPr lang="es-ES"/>
           </a:p>
@@ -3062,7 +3062,7 @@
             <a:fld id="{75EEBB46-7A81-4557-A313-00D814F92FCC}" type="datetimeFigureOut">
               <a:rPr lang="es-ES" smtClean="0"/>
               <a:pPr/>
-              <a:t>6/5/20</a:t>
+              <a:t>4/6/22</a:t>
             </a:fld>
             <a:endParaRPr lang="es-ES"/>
           </a:p>
@@ -3339,7 +3339,7 @@
             <a:fld id="{75EEBB46-7A81-4557-A313-00D814F92FCC}" type="datetimeFigureOut">
               <a:rPr lang="es-ES" smtClean="0"/>
               <a:pPr/>
-              <a:t>6/5/20</a:t>
+              <a:t>4/6/22</a:t>
             </a:fld>
             <a:endParaRPr lang="es-ES"/>
           </a:p>
@@ -3577,7 +3577,7 @@
             <a:fld id="{75EEBB46-7A81-4557-A313-00D814F92FCC}" type="datetimeFigureOut">
               <a:rPr lang="es-ES" smtClean="0"/>
               <a:pPr/>
-              <a:t>6/5/20</a:t>
+              <a:t>4/6/22</a:t>
             </a:fld>
             <a:endParaRPr lang="es-ES"/>
           </a:p>
@@ -4078,7 +4078,7 @@
             <a:fld id="{75EEBB46-7A81-4557-A313-00D814F92FCC}" type="datetimeFigureOut">
               <a:rPr lang="es-ES" smtClean="0"/>
               <a:pPr/>
-              <a:t>6/5/20</a:t>
+              <a:t>4/6/22</a:t>
             </a:fld>
             <a:endParaRPr lang="es-ES"/>
           </a:p>
@@ -4866,8 +4866,8 @@
           </a:p>
         </p:txBody>
       </p:sp>
-      <mc:AlternateContent xmlns:mc="http://schemas.openxmlformats.org/markup-compatibility/2006">
-        <mc:Choice xmlns:a14="http://schemas.microsoft.com/office/drawing/2010/main" Requires="a14">
+      <mc:AlternateContent xmlns:mc="http://schemas.openxmlformats.org/markup-compatibility/2006" xmlns:a14="http://schemas.microsoft.com/office/drawing/2010/main">
+        <mc:Choice Requires="a14">
           <p:sp>
             <p:nvSpPr>
               <p:cNvPr id="3" name="CuadroTexto 2">
@@ -4896,6 +4896,7 @@
               </a:bodyPr>
               <a:lstStyle/>
               <a:p>
+                <a:pPr/>
                 <a14:m>
                   <m:oMathPara xmlns:m="http://schemas.openxmlformats.org/officeDocument/2006/math">
                     <m:oMathParaPr>
@@ -4973,7 +4974,7 @@
             </p:txBody>
           </p:sp>
         </mc:Choice>
-        <mc:Fallback>
+        <mc:Fallback xmlns="">
           <p:sp>
             <p:nvSpPr>
               <p:cNvPr id="3" name="CuadroTexto 2">
@@ -5018,8 +5019,8 @@
           </p:sp>
         </mc:Fallback>
       </mc:AlternateContent>
-      <mc:AlternateContent xmlns:mc="http://schemas.openxmlformats.org/markup-compatibility/2006">
-        <mc:Choice xmlns:a14="http://schemas.microsoft.com/office/drawing/2010/main" Requires="a14">
+      <mc:AlternateContent xmlns:mc="http://schemas.openxmlformats.org/markup-compatibility/2006" xmlns:a14="http://schemas.microsoft.com/office/drawing/2010/main">
+        <mc:Choice Requires="a14">
           <p:sp>
             <p:nvSpPr>
               <p:cNvPr id="4" name="CuadroTexto 3">
@@ -5048,6 +5049,7 @@
               </a:bodyPr>
               <a:lstStyle/>
               <a:p>
+                <a:pPr/>
                 <a14:m>
                   <m:oMathPara xmlns:m="http://schemas.openxmlformats.org/officeDocument/2006/math">
                     <m:oMathParaPr>
@@ -5082,7 +5084,7 @@
             </p:txBody>
           </p:sp>
         </mc:Choice>
-        <mc:Fallback>
+        <mc:Fallback xmlns="">
           <p:sp>
             <p:nvSpPr>
               <p:cNvPr id="4" name="CuadroTexto 3">
@@ -5127,8 +5129,8 @@
           </p:sp>
         </mc:Fallback>
       </mc:AlternateContent>
-      <mc:AlternateContent xmlns:mc="http://schemas.openxmlformats.org/markup-compatibility/2006">
-        <mc:Choice xmlns:a14="http://schemas.microsoft.com/office/drawing/2010/main" Requires="a14">
+      <mc:AlternateContent xmlns:mc="http://schemas.openxmlformats.org/markup-compatibility/2006" xmlns:a14="http://schemas.microsoft.com/office/drawing/2010/main">
+        <mc:Choice Requires="a14">
           <p:sp>
             <p:nvSpPr>
               <p:cNvPr id="6" name="Rectángulo 5">
@@ -5156,6 +5158,7 @@
               </a:bodyPr>
               <a:lstStyle/>
               <a:p>
+                <a:pPr/>
                 <a14:m>
                   <m:oMathPara xmlns:m="http://schemas.openxmlformats.org/officeDocument/2006/math">
                     <m:oMathParaPr>
@@ -5177,7 +5180,7 @@
             </p:txBody>
           </p:sp>
         </mc:Choice>
-        <mc:Fallback>
+        <mc:Fallback xmlns="">
           <p:sp>
             <p:nvSpPr>
               <p:cNvPr id="6" name="Rectángulo 5">
@@ -5307,8 +5310,8 @@
           </a:p>
         </p:txBody>
       </p:sp>
-      <mc:AlternateContent xmlns:mc="http://schemas.openxmlformats.org/markup-compatibility/2006">
-        <mc:Choice xmlns:a14="http://schemas.microsoft.com/office/drawing/2010/main" Requires="a14">
+      <mc:AlternateContent xmlns:mc="http://schemas.openxmlformats.org/markup-compatibility/2006" xmlns:a14="http://schemas.microsoft.com/office/drawing/2010/main">
+        <mc:Choice Requires="a14">
           <p:sp>
             <p:nvSpPr>
               <p:cNvPr id="25" name="CuadroTexto 24">
@@ -5337,6 +5340,7 @@
               </a:bodyPr>
               <a:lstStyle/>
               <a:p>
+                <a:pPr/>
                 <a14:m>
                   <m:oMathPara xmlns:m="http://schemas.openxmlformats.org/officeDocument/2006/math">
                     <m:oMathParaPr>
@@ -5464,7 +5468,7 @@
             </p:txBody>
           </p:sp>
         </mc:Choice>
-        <mc:Fallback>
+        <mc:Fallback xmlns="">
           <p:sp>
             <p:nvSpPr>
               <p:cNvPr id="25" name="CuadroTexto 24">
@@ -5509,8 +5513,8 @@
           </p:sp>
         </mc:Fallback>
       </mc:AlternateContent>
-      <mc:AlternateContent xmlns:mc="http://schemas.openxmlformats.org/markup-compatibility/2006">
-        <mc:Choice xmlns:a14="http://schemas.microsoft.com/office/drawing/2010/main" Requires="a14">
+      <mc:AlternateContent xmlns:mc="http://schemas.openxmlformats.org/markup-compatibility/2006" xmlns:a14="http://schemas.microsoft.com/office/drawing/2010/main">
+        <mc:Choice Requires="a14">
           <p:sp>
             <p:nvSpPr>
               <p:cNvPr id="2" name="CuadroTexto 1">
@@ -5539,6 +5543,7 @@
               </a:bodyPr>
               <a:lstStyle/>
               <a:p>
+                <a:pPr/>
                 <a14:m>
                   <m:oMathPara xmlns:m="http://schemas.openxmlformats.org/officeDocument/2006/math">
                     <m:oMathParaPr>
@@ -5721,7 +5726,7 @@
             </p:txBody>
           </p:sp>
         </mc:Choice>
-        <mc:Fallback>
+        <mc:Fallback xmlns="">
           <p:sp>
             <p:nvSpPr>
               <p:cNvPr id="2" name="CuadroTexto 1">
@@ -5766,8 +5771,8 @@
           </p:sp>
         </mc:Fallback>
       </mc:AlternateContent>
-      <mc:AlternateContent xmlns:mc="http://schemas.openxmlformats.org/markup-compatibility/2006">
-        <mc:Choice xmlns:a14="http://schemas.microsoft.com/office/drawing/2010/main" Requires="a14">
+      <mc:AlternateContent xmlns:mc="http://schemas.openxmlformats.org/markup-compatibility/2006" xmlns:a14="http://schemas.microsoft.com/office/drawing/2010/main">
+        <mc:Choice Requires="a14">
           <p:sp>
             <p:nvSpPr>
               <p:cNvPr id="6" name="Rectángulo 5">
@@ -5855,7 +5860,7 @@
             </p:txBody>
           </p:sp>
         </mc:Choice>
-        <mc:Fallback>
+        <mc:Fallback xmlns="">
           <p:sp>
             <p:nvSpPr>
               <p:cNvPr id="6" name="Rectángulo 5">
@@ -5900,8 +5905,8 @@
           </p:sp>
         </mc:Fallback>
       </mc:AlternateContent>
-      <mc:AlternateContent xmlns:mc="http://schemas.openxmlformats.org/markup-compatibility/2006">
-        <mc:Choice xmlns:a14="http://schemas.microsoft.com/office/drawing/2010/main" Requires="a14">
+      <mc:AlternateContent xmlns:mc="http://schemas.openxmlformats.org/markup-compatibility/2006" xmlns:a14="http://schemas.microsoft.com/office/drawing/2010/main">
+        <mc:Choice Requires="a14">
           <p:sp>
             <p:nvSpPr>
               <p:cNvPr id="7" name="Rectángulo 6">
@@ -6334,7 +6339,7 @@
             </p:txBody>
           </p:sp>
         </mc:Choice>
-        <mc:Fallback>
+        <mc:Fallback xmlns="">
           <p:sp>
             <p:nvSpPr>
               <p:cNvPr id="7" name="Rectángulo 6">
@@ -6379,8 +6384,8 @@
           </p:sp>
         </mc:Fallback>
       </mc:AlternateContent>
-      <mc:AlternateContent xmlns:mc="http://schemas.openxmlformats.org/markup-compatibility/2006">
-        <mc:Choice xmlns:a14="http://schemas.microsoft.com/office/drawing/2010/main" Requires="a14">
+      <mc:AlternateContent xmlns:mc="http://schemas.openxmlformats.org/markup-compatibility/2006" xmlns:a14="http://schemas.microsoft.com/office/drawing/2010/main">
+        <mc:Choice Requires="a14">
           <p:sp>
             <p:nvSpPr>
               <p:cNvPr id="8" name="CuadroTexto 7">
@@ -6536,7 +6541,7 @@
             </p:txBody>
           </p:sp>
         </mc:Choice>
-        <mc:Fallback>
+        <mc:Fallback xmlns="">
           <p:sp>
             <p:nvSpPr>
               <p:cNvPr id="8" name="CuadroTexto 7">
@@ -6734,8 +6739,8 @@
               </a:p>
             </p:txBody>
           </p:sp>
-          <mc:AlternateContent xmlns:mc="http://schemas.openxmlformats.org/markup-compatibility/2006">
-            <mc:Choice xmlns:a14="http://schemas.microsoft.com/office/drawing/2010/main" Requires="a14">
+          <mc:AlternateContent xmlns:mc="http://schemas.openxmlformats.org/markup-compatibility/2006" xmlns:a14="http://schemas.microsoft.com/office/drawing/2010/main">
+            <mc:Choice Requires="a14">
               <p:sp>
                 <p:nvSpPr>
                   <p:cNvPr id="12" name="Rectángulo 11">
@@ -6763,6 +6768,7 @@
                   </a:bodyPr>
                   <a:lstStyle/>
                   <a:p>
+                    <a:pPr/>
                     <a14:m>
                       <m:oMathPara xmlns:m="http://schemas.openxmlformats.org/officeDocument/2006/math">
                         <m:oMathParaPr>
@@ -6907,7 +6913,7 @@
                 </p:txBody>
               </p:sp>
             </mc:Choice>
-            <mc:Fallback>
+            <mc:Fallback xmlns="">
               <p:sp>
                 <p:nvSpPr>
                   <p:cNvPr id="12" name="Rectángulo 11">
@@ -6952,8 +6958,8 @@
               </p:sp>
             </mc:Fallback>
           </mc:AlternateContent>
-          <mc:AlternateContent xmlns:mc="http://schemas.openxmlformats.org/markup-compatibility/2006">
-            <mc:Choice xmlns:a14="http://schemas.microsoft.com/office/drawing/2010/main" Requires="a14">
+          <mc:AlternateContent xmlns:mc="http://schemas.openxmlformats.org/markup-compatibility/2006" xmlns:a14="http://schemas.microsoft.com/office/drawing/2010/main">
+            <mc:Choice Requires="a14">
               <p:sp>
                 <p:nvSpPr>
                   <p:cNvPr id="13" name="Rectángulo 12">
@@ -6981,6 +6987,7 @@
                   </a:bodyPr>
                   <a:lstStyle/>
                   <a:p>
+                    <a:pPr/>
                     <a14:m>
                       <m:oMathPara xmlns:m="http://schemas.openxmlformats.org/officeDocument/2006/math">
                         <m:oMathParaPr>
@@ -7300,7 +7307,7 @@
                 </p:txBody>
               </p:sp>
             </mc:Choice>
-            <mc:Fallback>
+            <mc:Fallback xmlns="">
               <p:sp>
                 <p:nvSpPr>
                   <p:cNvPr id="13" name="Rectángulo 12">
@@ -7345,8 +7352,8 @@
               </p:sp>
             </mc:Fallback>
           </mc:AlternateContent>
-          <mc:AlternateContent xmlns:mc="http://schemas.openxmlformats.org/markup-compatibility/2006">
-            <mc:Choice xmlns:a14="http://schemas.microsoft.com/office/drawing/2010/main" Requires="a14">
+          <mc:AlternateContent xmlns:mc="http://schemas.openxmlformats.org/markup-compatibility/2006" xmlns:a14="http://schemas.microsoft.com/office/drawing/2010/main">
+            <mc:Choice Requires="a14">
               <p:sp>
                 <p:nvSpPr>
                   <p:cNvPr id="14" name="CuadroTexto 13">
@@ -7375,6 +7382,7 @@
                   </a:bodyPr>
                   <a:lstStyle/>
                   <a:p>
+                    <a:pPr/>
                     <a14:m>
                       <m:oMathPara xmlns:m="http://schemas.openxmlformats.org/officeDocument/2006/math">
                         <m:oMathParaPr>
@@ -7439,7 +7447,16 @@
                                           <a:rPr lang="es-ES" b="0" i="0" smtClean="0">
                                             <a:latin typeface="Cambria Math" panose="02040503050406030204" pitchFamily="18" charset="0"/>
                                           </a:rPr>
-                                          <m:t>cos</m:t>
+                                          <m:t>c</m:t>
+                                        </m:r>
+                                        <m:r>
+                                          <m:rPr>
+                                            <m:sty m:val="p"/>
+                                          </m:rPr>
+                                          <a:rPr lang="es-ES" b="0" i="0" smtClean="0">
+                                            <a:latin typeface="Cambria Math" panose="02040503050406030204" pitchFamily="18" charset="0"/>
+                                          </a:rPr>
+                                          <m:t>os</m:t>
                                         </m:r>
                                       </m:fName>
                                       <m:e>
@@ -7572,7 +7589,7 @@
                 </p:txBody>
               </p:sp>
             </mc:Choice>
-            <mc:Fallback>
+            <mc:Fallback xmlns="">
               <p:sp>
                 <p:nvSpPr>
                   <p:cNvPr id="14" name="CuadroTexto 13">
@@ -8037,8 +8054,8 @@
               </a:p>
             </p:txBody>
           </p:sp>
-          <mc:AlternateContent xmlns:mc="http://schemas.openxmlformats.org/markup-compatibility/2006">
-            <mc:Choice xmlns:a14="http://schemas.microsoft.com/office/drawing/2010/main" Requires="a14">
+          <mc:AlternateContent xmlns:mc="http://schemas.openxmlformats.org/markup-compatibility/2006" xmlns:a14="http://schemas.microsoft.com/office/drawing/2010/main">
+            <mc:Choice Requires="a14">
               <p:sp>
                 <p:nvSpPr>
                   <p:cNvPr id="22" name="CuadroTexto 21">
@@ -8067,6 +8084,7 @@
                   </a:bodyPr>
                   <a:lstStyle/>
                   <a:p>
+                    <a:pPr/>
                     <a14:m>
                       <m:oMathPara xmlns:m="http://schemas.openxmlformats.org/officeDocument/2006/math">
                         <m:oMathParaPr>
@@ -8200,7 +8218,7 @@
                 </p:txBody>
               </p:sp>
             </mc:Choice>
-            <mc:Fallback>
+            <mc:Fallback xmlns="">
               <p:sp>
                 <p:nvSpPr>
                   <p:cNvPr id="22" name="CuadroTexto 21">
@@ -8245,8 +8263,8 @@
               </p:sp>
             </mc:Fallback>
           </mc:AlternateContent>
-          <mc:AlternateContent xmlns:mc="http://schemas.openxmlformats.org/markup-compatibility/2006">
-            <mc:Choice xmlns:a14="http://schemas.microsoft.com/office/drawing/2010/main" Requires="a14">
+          <mc:AlternateContent xmlns:mc="http://schemas.openxmlformats.org/markup-compatibility/2006" xmlns:a14="http://schemas.microsoft.com/office/drawing/2010/main">
+            <mc:Choice Requires="a14">
               <p:sp>
                 <p:nvSpPr>
                   <p:cNvPr id="23" name="CuadroTexto 22">
@@ -8275,6 +8293,7 @@
                   </a:bodyPr>
                   <a:lstStyle/>
                   <a:p>
+                    <a:pPr/>
                     <a14:m>
                       <m:oMathPara xmlns:m="http://schemas.openxmlformats.org/officeDocument/2006/math">
                         <m:oMathParaPr>
@@ -8370,7 +8389,7 @@
                 </p:txBody>
               </p:sp>
             </mc:Choice>
-            <mc:Fallback>
+            <mc:Fallback xmlns="">
               <p:sp>
                 <p:nvSpPr>
                   <p:cNvPr id="23" name="CuadroTexto 22">
@@ -8415,8 +8434,8 @@
               </p:sp>
             </mc:Fallback>
           </mc:AlternateContent>
-          <mc:AlternateContent xmlns:mc="http://schemas.openxmlformats.org/markup-compatibility/2006">
-            <mc:Choice xmlns:a14="http://schemas.microsoft.com/office/drawing/2010/main" Requires="a14">
+          <mc:AlternateContent xmlns:mc="http://schemas.openxmlformats.org/markup-compatibility/2006" xmlns:a14="http://schemas.microsoft.com/office/drawing/2010/main">
+            <mc:Choice Requires="a14">
               <p:sp>
                 <p:nvSpPr>
                   <p:cNvPr id="24" name="CuadroTexto 23">
@@ -8445,6 +8464,7 @@
                   </a:bodyPr>
                   <a:lstStyle/>
                   <a:p>
+                    <a:pPr/>
                     <a14:m>
                       <m:oMathPara xmlns:m="http://schemas.openxmlformats.org/officeDocument/2006/math">
                         <m:oMathParaPr>
@@ -8577,7 +8597,7 @@
                 </p:txBody>
               </p:sp>
             </mc:Choice>
-            <mc:Fallback>
+            <mc:Fallback xmlns="">
               <p:sp>
                 <p:nvSpPr>
                   <p:cNvPr id="24" name="CuadroTexto 23">
@@ -8623,8 +8643,8 @@
             </mc:Fallback>
           </mc:AlternateContent>
         </p:grpSp>
-        <mc:AlternateContent xmlns:mc="http://schemas.openxmlformats.org/markup-compatibility/2006">
-          <mc:Choice xmlns:a14="http://schemas.microsoft.com/office/drawing/2010/main" Requires="a14">
+        <mc:AlternateContent xmlns:mc="http://schemas.openxmlformats.org/markup-compatibility/2006" xmlns:a14="http://schemas.microsoft.com/office/drawing/2010/main">
+          <mc:Choice Requires="a14">
             <p:sp>
               <p:nvSpPr>
                 <p:cNvPr id="26" name="Rectángulo 25">
@@ -8652,6 +8672,7 @@
                 </a:bodyPr>
                 <a:lstStyle/>
                 <a:p>
+                  <a:pPr/>
                   <a14:m>
                     <m:oMathPara xmlns:m="http://schemas.openxmlformats.org/officeDocument/2006/math">
                       <m:oMathParaPr>
@@ -8797,7 +8818,7 @@
               </p:txBody>
             </p:sp>
           </mc:Choice>
-          <mc:Fallback>
+          <mc:Fallback xmlns="">
             <p:sp>
               <p:nvSpPr>
                 <p:cNvPr id="26" name="Rectángulo 25">
@@ -8877,8 +8898,8 @@
             </a:p>
           </p:txBody>
         </p:sp>
-        <mc:AlternateContent xmlns:mc="http://schemas.openxmlformats.org/markup-compatibility/2006">
-          <mc:Choice xmlns:a14="http://schemas.microsoft.com/office/drawing/2010/main" Requires="a14">
+        <mc:AlternateContent xmlns:mc="http://schemas.openxmlformats.org/markup-compatibility/2006" xmlns:a14="http://schemas.microsoft.com/office/drawing/2010/main">
+          <mc:Choice Requires="a14">
             <p:sp>
               <p:nvSpPr>
                 <p:cNvPr id="29" name="Rectángulo 28">
@@ -8906,6 +8927,7 @@
                 </a:bodyPr>
                 <a:lstStyle/>
                 <a:p>
+                  <a:pPr/>
                   <a14:m>
                     <m:oMathPara xmlns:m="http://schemas.openxmlformats.org/officeDocument/2006/math">
                       <m:oMathParaPr>
@@ -9075,7 +9097,7 @@
               </p:txBody>
             </p:sp>
           </mc:Choice>
-          <mc:Fallback>
+          <mc:Fallback xmlns="">
             <p:sp>
               <p:nvSpPr>
                 <p:cNvPr id="29" name="Rectángulo 28">
@@ -9168,8 +9190,8 @@
           </a:p>
         </p:txBody>
       </p:sp>
-      <mc:AlternateContent xmlns:mc="http://schemas.openxmlformats.org/markup-compatibility/2006">
-        <mc:Choice xmlns:a14="http://schemas.microsoft.com/office/drawing/2010/main" Requires="a14">
+      <mc:AlternateContent xmlns:mc="http://schemas.openxmlformats.org/markup-compatibility/2006" xmlns:a14="http://schemas.microsoft.com/office/drawing/2010/main">
+        <mc:Choice Requires="a14">
           <p:sp>
             <p:nvSpPr>
               <p:cNvPr id="17" name="CuadroTexto 16">
@@ -9222,7 +9244,7 @@
             </p:txBody>
           </p:sp>
         </mc:Choice>
-        <mc:Fallback>
+        <mc:Fallback xmlns="">
           <p:sp>
             <p:nvSpPr>
               <p:cNvPr id="17" name="CuadroTexto 16">
@@ -9287,8 +9309,8 @@
             <a:chExt cx="4947171" cy="619289"/>
           </a:xfrm>
         </p:grpSpPr>
-        <mc:AlternateContent xmlns:mc="http://schemas.openxmlformats.org/markup-compatibility/2006">
-          <mc:Choice xmlns:a14="http://schemas.microsoft.com/office/drawing/2010/main" Requires="a14">
+        <mc:AlternateContent xmlns:mc="http://schemas.openxmlformats.org/markup-compatibility/2006" xmlns:a14="http://schemas.microsoft.com/office/drawing/2010/main">
+          <mc:Choice Requires="a14">
             <p:sp>
               <p:nvSpPr>
                 <p:cNvPr id="34" name="Rectángulo 33">
@@ -9316,7 +9338,6 @@
                 </a:bodyPr>
                 <a:lstStyle/>
                 <a:p>
-                  <a:pPr/>
                   <a14:m>
                     <m:oMath xmlns:m="http://schemas.openxmlformats.org/officeDocument/2006/math">
                       <m:r>
@@ -9508,7 +9529,7 @@
               </p:txBody>
             </p:sp>
           </mc:Choice>
-          <mc:Fallback>
+          <mc:Fallback xmlns="">
             <p:sp>
               <p:nvSpPr>
                 <p:cNvPr id="34" name="Rectángulo 33">
@@ -9553,8 +9574,8 @@
             </p:sp>
           </mc:Fallback>
         </mc:AlternateContent>
-        <mc:AlternateContent xmlns:mc="http://schemas.openxmlformats.org/markup-compatibility/2006">
-          <mc:Choice xmlns:a14="http://schemas.microsoft.com/office/drawing/2010/main" Requires="a14">
+        <mc:AlternateContent xmlns:mc="http://schemas.openxmlformats.org/markup-compatibility/2006" xmlns:a14="http://schemas.microsoft.com/office/drawing/2010/main">
+          <mc:Choice Requires="a14">
             <p:sp>
               <p:nvSpPr>
                 <p:cNvPr id="18" name="Rectángulo 17">
@@ -9582,6 +9603,7 @@
                 </a:bodyPr>
                 <a:lstStyle/>
                 <a:p>
+                  <a:pPr/>
                   <a14:m>
                     <m:oMathPara xmlns:m="http://schemas.openxmlformats.org/officeDocument/2006/math">
                       <m:oMathParaPr>
@@ -9646,7 +9668,7 @@
               </p:txBody>
             </p:sp>
           </mc:Choice>
-          <mc:Fallback>
+          <mc:Fallback xmlns="">
             <p:sp>
               <p:nvSpPr>
                 <p:cNvPr id="18" name="Rectángulo 17">
@@ -9759,8 +9781,8 @@
             <a:chExt cx="3793693" cy="2431325"/>
           </a:xfrm>
         </p:grpSpPr>
-        <mc:AlternateContent xmlns:mc="http://schemas.openxmlformats.org/markup-compatibility/2006">
-          <mc:Choice xmlns:a14="http://schemas.microsoft.com/office/drawing/2010/main" Requires="a14">
+        <mc:AlternateContent xmlns:mc="http://schemas.openxmlformats.org/markup-compatibility/2006" xmlns:a14="http://schemas.microsoft.com/office/drawing/2010/main">
+          <mc:Choice Requires="a14">
             <p:sp>
               <p:nvSpPr>
                 <p:cNvPr id="33" name="Rectángulo 32">
@@ -9914,7 +9936,7 @@
               </p:txBody>
             </p:sp>
           </mc:Choice>
-          <mc:Fallback>
+          <mc:Fallback xmlns="">
             <p:sp>
               <p:nvSpPr>
                 <p:cNvPr id="33" name="Rectángulo 32">
@@ -10014,8 +10036,8 @@
               </a:p>
             </p:txBody>
           </p:sp>
-          <mc:AlternateContent xmlns:mc="http://schemas.openxmlformats.org/markup-compatibility/2006">
-            <mc:Choice xmlns:a14="http://schemas.microsoft.com/office/drawing/2010/main" Requires="a14">
+          <mc:AlternateContent xmlns:mc="http://schemas.openxmlformats.org/markup-compatibility/2006" xmlns:a14="http://schemas.microsoft.com/office/drawing/2010/main">
+            <mc:Choice Requires="a14">
               <p:sp>
                 <p:nvSpPr>
                   <p:cNvPr id="43" name="Rectángulo 42">
@@ -10076,7 +10098,7 @@
                 </p:txBody>
               </p:sp>
             </mc:Choice>
-            <mc:Fallback>
+            <mc:Fallback xmlns="">
               <p:sp>
                 <p:nvSpPr>
                   <p:cNvPr id="43" name="Rectángulo 42">
@@ -10121,8 +10143,8 @@
               </p:sp>
             </mc:Fallback>
           </mc:AlternateContent>
-          <mc:AlternateContent xmlns:mc="http://schemas.openxmlformats.org/markup-compatibility/2006">
-            <mc:Choice xmlns:a14="http://schemas.microsoft.com/office/drawing/2010/main" Requires="a14">
+          <mc:AlternateContent xmlns:mc="http://schemas.openxmlformats.org/markup-compatibility/2006" xmlns:a14="http://schemas.microsoft.com/office/drawing/2010/main">
+            <mc:Choice Requires="a14">
               <p:sp>
                 <p:nvSpPr>
                   <p:cNvPr id="44" name="Rectángulo 43">
@@ -10183,7 +10205,7 @@
                 </p:txBody>
               </p:sp>
             </mc:Choice>
-            <mc:Fallback>
+            <mc:Fallback xmlns="">
               <p:sp>
                 <p:nvSpPr>
                   <p:cNvPr id="44" name="Rectángulo 43">
@@ -10376,8 +10398,8 @@
             <a:chExt cx="4940233" cy="1164670"/>
           </a:xfrm>
         </p:grpSpPr>
-        <mc:AlternateContent xmlns:mc="http://schemas.openxmlformats.org/markup-compatibility/2006">
-          <mc:Choice xmlns:a14="http://schemas.microsoft.com/office/drawing/2010/main" Requires="a14">
+        <mc:AlternateContent xmlns:mc="http://schemas.openxmlformats.org/markup-compatibility/2006" xmlns:a14="http://schemas.microsoft.com/office/drawing/2010/main">
+          <mc:Choice Requires="a14">
             <p:sp>
               <p:nvSpPr>
                 <p:cNvPr id="51" name="Rectángulo 50">
@@ -10472,7 +10494,7 @@
               </p:txBody>
             </p:sp>
           </mc:Choice>
-          <mc:Fallback>
+          <mc:Fallback xmlns="">
             <p:sp>
               <p:nvSpPr>
                 <p:cNvPr id="51" name="Rectángulo 50">
@@ -10517,8 +10539,8 @@
             </p:sp>
           </mc:Fallback>
         </mc:AlternateContent>
-        <mc:AlternateContent xmlns:mc="http://schemas.openxmlformats.org/markup-compatibility/2006">
-          <mc:Choice xmlns:a14="http://schemas.microsoft.com/office/drawing/2010/main" Requires="a14">
+        <mc:AlternateContent xmlns:mc="http://schemas.openxmlformats.org/markup-compatibility/2006" xmlns:a14="http://schemas.microsoft.com/office/drawing/2010/main">
+          <mc:Choice Requires="a14">
             <p:sp>
               <p:nvSpPr>
                 <p:cNvPr id="56" name="Rectángulo 55">
@@ -10613,7 +10635,7 @@
               </p:txBody>
             </p:sp>
           </mc:Choice>
-          <mc:Fallback>
+          <mc:Fallback xmlns="">
             <p:sp>
               <p:nvSpPr>
                 <p:cNvPr id="56" name="Rectángulo 55">
@@ -10678,8 +10700,8 @@
               <a:chExt cx="4894143" cy="1164670"/>
             </a:xfrm>
           </p:grpSpPr>
-          <mc:AlternateContent xmlns:mc="http://schemas.openxmlformats.org/markup-compatibility/2006">
-            <mc:Choice xmlns:a14="http://schemas.microsoft.com/office/drawing/2010/main" Requires="a14">
+          <mc:AlternateContent xmlns:mc="http://schemas.openxmlformats.org/markup-compatibility/2006" xmlns:a14="http://schemas.microsoft.com/office/drawing/2010/main">
+            <mc:Choice Requires="a14">
               <p:sp>
                 <p:nvSpPr>
                   <p:cNvPr id="31" name="Rectángulo 30">
@@ -10928,7 +10950,7 @@
                 </p:txBody>
               </p:sp>
             </mc:Choice>
-            <mc:Fallback>
+            <mc:Fallback xmlns="">
               <p:sp>
                 <p:nvSpPr>
                   <p:cNvPr id="31" name="Rectángulo 30">
@@ -10973,8 +10995,8 @@
               </p:sp>
             </mc:Fallback>
           </mc:AlternateContent>
-          <mc:AlternateContent xmlns:mc="http://schemas.openxmlformats.org/markup-compatibility/2006">
-            <mc:Choice xmlns:a14="http://schemas.microsoft.com/office/drawing/2010/main" Requires="a14">
+          <mc:AlternateContent xmlns:mc="http://schemas.openxmlformats.org/markup-compatibility/2006" xmlns:a14="http://schemas.microsoft.com/office/drawing/2010/main">
+            <mc:Choice Requires="a14">
               <p:sp>
                 <p:nvSpPr>
                   <p:cNvPr id="32" name="Rectángulo 31">
@@ -11259,7 +11281,7 @@
                 </p:txBody>
               </p:sp>
             </mc:Choice>
-            <mc:Fallback>
+            <mc:Fallback xmlns="">
               <p:sp>
                 <p:nvSpPr>
                   <p:cNvPr id="32" name="Rectángulo 31">
@@ -11408,8 +11430,8 @@
             <a:chExt cx="4904892" cy="619289"/>
           </a:xfrm>
         </p:grpSpPr>
-        <mc:AlternateContent xmlns:mc="http://schemas.openxmlformats.org/markup-compatibility/2006">
-          <mc:Choice xmlns:a14="http://schemas.microsoft.com/office/drawing/2010/main" Requires="a14">
+        <mc:AlternateContent xmlns:mc="http://schemas.openxmlformats.org/markup-compatibility/2006" xmlns:a14="http://schemas.microsoft.com/office/drawing/2010/main">
+          <mc:Choice Requires="a14">
             <p:sp>
               <p:nvSpPr>
                 <p:cNvPr id="50" name="Rectángulo 49">
@@ -11540,7 +11562,7 @@
               </p:txBody>
             </p:sp>
           </mc:Choice>
-          <mc:Fallback>
+          <mc:Fallback xmlns="">
             <p:sp>
               <p:nvSpPr>
                 <p:cNvPr id="50" name="Rectángulo 49">
@@ -11585,8 +11607,8 @@
             </p:sp>
           </mc:Fallback>
         </mc:AlternateContent>
-        <mc:AlternateContent xmlns:mc="http://schemas.openxmlformats.org/markup-compatibility/2006">
-          <mc:Choice xmlns:a14="http://schemas.microsoft.com/office/drawing/2010/main" Requires="a14">
+        <mc:AlternateContent xmlns:mc="http://schemas.openxmlformats.org/markup-compatibility/2006" xmlns:a14="http://schemas.microsoft.com/office/drawing/2010/main">
+          <mc:Choice Requires="a14">
             <p:sp>
               <p:nvSpPr>
                 <p:cNvPr id="49" name="Rectángulo 48">
@@ -11614,6 +11636,7 @@
                 </a:bodyPr>
                 <a:lstStyle/>
                 <a:p>
+                  <a:pPr/>
                   <a14:m>
                     <m:oMathPara xmlns:m="http://schemas.openxmlformats.org/officeDocument/2006/math">
                       <m:oMathParaPr>
@@ -11635,7 +11658,7 @@
               </p:txBody>
             </p:sp>
           </mc:Choice>
-          <mc:Fallback>
+          <mc:Fallback xmlns="">
             <p:sp>
               <p:nvSpPr>
                 <p:cNvPr id="49" name="Rectángulo 48">
@@ -11680,8 +11703,8 @@
             </p:sp>
           </mc:Fallback>
         </mc:AlternateContent>
-        <mc:AlternateContent xmlns:mc="http://schemas.openxmlformats.org/markup-compatibility/2006">
-          <mc:Choice xmlns:a14="http://schemas.microsoft.com/office/drawing/2010/main" Requires="a14">
+        <mc:AlternateContent xmlns:mc="http://schemas.openxmlformats.org/markup-compatibility/2006" xmlns:a14="http://schemas.microsoft.com/office/drawing/2010/main">
+          <mc:Choice Requires="a14">
             <p:sp>
               <p:nvSpPr>
                 <p:cNvPr id="52" name="Rectángulo 51">
@@ -11812,7 +11835,7 @@
               </p:txBody>
             </p:sp>
           </mc:Choice>
-          <mc:Fallback>
+          <mc:Fallback xmlns="">
             <p:sp>
               <p:nvSpPr>
                 <p:cNvPr id="52" name="Rectángulo 51">
@@ -11857,8 +11880,8 @@
             </p:sp>
           </mc:Fallback>
         </mc:AlternateContent>
-        <mc:AlternateContent xmlns:mc="http://schemas.openxmlformats.org/markup-compatibility/2006">
-          <mc:Choice xmlns:a14="http://schemas.microsoft.com/office/drawing/2010/main" Requires="a14">
+        <mc:AlternateContent xmlns:mc="http://schemas.openxmlformats.org/markup-compatibility/2006" xmlns:a14="http://schemas.microsoft.com/office/drawing/2010/main">
+          <mc:Choice Requires="a14">
             <p:sp>
               <p:nvSpPr>
                 <p:cNvPr id="53" name="Rectángulo 52">
@@ -11886,6 +11909,7 @@
                 </a:bodyPr>
                 <a:lstStyle/>
                 <a:p>
+                  <a:pPr/>
                   <a14:m>
                     <m:oMathPara xmlns:m="http://schemas.openxmlformats.org/officeDocument/2006/math">
                       <m:oMathParaPr>
@@ -11907,7 +11931,7 @@
               </p:txBody>
             </p:sp>
           </mc:Choice>
-          <mc:Fallback>
+          <mc:Fallback xmlns="">
             <p:sp>
               <p:nvSpPr>
                 <p:cNvPr id="53" name="Rectángulo 52">
@@ -11952,8 +11976,8 @@
             </p:sp>
           </mc:Fallback>
         </mc:AlternateContent>
-        <mc:AlternateContent xmlns:mc="http://schemas.openxmlformats.org/markup-compatibility/2006">
-          <mc:Choice xmlns:a14="http://schemas.microsoft.com/office/drawing/2010/main" Requires="a14">
+        <mc:AlternateContent xmlns:mc="http://schemas.openxmlformats.org/markup-compatibility/2006" xmlns:a14="http://schemas.microsoft.com/office/drawing/2010/main">
+          <mc:Choice Requires="a14">
             <p:sp>
               <p:nvSpPr>
                 <p:cNvPr id="57" name="Rectángulo 56">
@@ -11981,6 +12005,7 @@
                 </a:bodyPr>
                 <a:lstStyle/>
                 <a:p>
+                  <a:pPr/>
                   <a14:m>
                     <m:oMathPara xmlns:m="http://schemas.openxmlformats.org/officeDocument/2006/math">
                       <m:oMathParaPr>
@@ -12050,7 +12075,7 @@
               </p:txBody>
             </p:sp>
           </mc:Choice>
-          <mc:Fallback>
+          <mc:Fallback xmlns="">
             <p:sp>
               <p:nvSpPr>
                 <p:cNvPr id="57" name="Rectángulo 56">
@@ -12163,8 +12188,8 @@
             <a:chExt cx="1177245" cy="619289"/>
           </a:xfrm>
         </p:grpSpPr>
-        <mc:AlternateContent xmlns:mc="http://schemas.openxmlformats.org/markup-compatibility/2006">
-          <mc:Choice xmlns:a14="http://schemas.microsoft.com/office/drawing/2010/main" Requires="a14">
+        <mc:AlternateContent xmlns:mc="http://schemas.openxmlformats.org/markup-compatibility/2006" xmlns:a14="http://schemas.microsoft.com/office/drawing/2010/main">
+          <mc:Choice Requires="a14">
             <p:sp>
               <p:nvSpPr>
                 <p:cNvPr id="64" name="Rectángulo 63">
@@ -12192,6 +12217,7 @@
                 </a:bodyPr>
                 <a:lstStyle/>
                 <a:p>
+                  <a:pPr/>
                   <a14:m>
                     <m:oMathPara xmlns:m="http://schemas.openxmlformats.org/officeDocument/2006/math">
                       <m:oMathParaPr>
@@ -12299,7 +12325,7 @@
               </p:txBody>
             </p:sp>
           </mc:Choice>
-          <mc:Fallback>
+          <mc:Fallback xmlns="">
             <p:sp>
               <p:nvSpPr>
                 <p:cNvPr id="64" name="Rectángulo 63">
@@ -12607,8 +12633,8 @@
             </a:p>
           </p:txBody>
         </p:sp>
-        <mc:AlternateContent xmlns:mc="http://schemas.openxmlformats.org/markup-compatibility/2006">
-          <mc:Choice xmlns:a14="http://schemas.microsoft.com/office/drawing/2010/main" Requires="a14">
+        <mc:AlternateContent xmlns:mc="http://schemas.openxmlformats.org/markup-compatibility/2006" xmlns:a14="http://schemas.microsoft.com/office/drawing/2010/main">
+          <mc:Choice Requires="a14">
             <p:sp>
               <p:nvSpPr>
                 <p:cNvPr id="3" name="CuadroTexto 2">
@@ -12637,6 +12663,7 @@
                 </a:bodyPr>
                 <a:lstStyle/>
                 <a:p>
+                  <a:pPr/>
                   <a14:m>
                     <m:oMathPara xmlns:m="http://schemas.openxmlformats.org/officeDocument/2006/math">
                       <m:oMathParaPr>
@@ -12681,7 +12708,7 @@
               </p:txBody>
             </p:sp>
           </mc:Choice>
-          <mc:Fallback>
+          <mc:Fallback xmlns="">
             <p:sp>
               <p:nvSpPr>
                 <p:cNvPr id="3" name="CuadroTexto 2">
@@ -12726,8 +12753,8 @@
             </p:sp>
           </mc:Fallback>
         </mc:AlternateContent>
-        <mc:AlternateContent xmlns:mc="http://schemas.openxmlformats.org/markup-compatibility/2006">
-          <mc:Choice xmlns:a14="http://schemas.microsoft.com/office/drawing/2010/main" Requires="a14">
+        <mc:AlternateContent xmlns:mc="http://schemas.openxmlformats.org/markup-compatibility/2006" xmlns:a14="http://schemas.microsoft.com/office/drawing/2010/main">
+          <mc:Choice Requires="a14">
             <p:sp>
               <p:nvSpPr>
                 <p:cNvPr id="66" name="Rectángulo 65">
@@ -12755,6 +12782,7 @@
                 </a:bodyPr>
                 <a:lstStyle/>
                 <a:p>
+                  <a:pPr/>
                   <a14:m>
                     <m:oMathPara xmlns:m="http://schemas.openxmlformats.org/officeDocument/2006/math">
                       <m:oMathParaPr>
@@ -12776,7 +12804,7 @@
               </p:txBody>
             </p:sp>
           </mc:Choice>
-          <mc:Fallback>
+          <mc:Fallback xmlns="">
             <p:sp>
               <p:nvSpPr>
                 <p:cNvPr id="66" name="Rectángulo 65">
@@ -12821,8 +12849,8 @@
             </p:sp>
           </mc:Fallback>
         </mc:AlternateContent>
-        <mc:AlternateContent xmlns:mc="http://schemas.openxmlformats.org/markup-compatibility/2006">
-          <mc:Choice xmlns:a14="http://schemas.microsoft.com/office/drawing/2010/main" Requires="a14">
+        <mc:AlternateContent xmlns:mc="http://schemas.openxmlformats.org/markup-compatibility/2006" xmlns:a14="http://schemas.microsoft.com/office/drawing/2010/main">
+          <mc:Choice Requires="a14">
             <p:sp>
               <p:nvSpPr>
                 <p:cNvPr id="67" name="Rectángulo 66">
@@ -12850,6 +12878,7 @@
                 </a:bodyPr>
                 <a:lstStyle/>
                 <a:p>
+                  <a:pPr/>
                   <a14:m>
                     <m:oMathPara xmlns:m="http://schemas.openxmlformats.org/officeDocument/2006/math">
                       <m:oMathParaPr>
@@ -12871,7 +12900,7 @@
               </p:txBody>
             </p:sp>
           </mc:Choice>
-          <mc:Fallback>
+          <mc:Fallback xmlns="">
             <p:sp>
               <p:nvSpPr>
                 <p:cNvPr id="67" name="Rectángulo 66">
@@ -12916,8 +12945,8 @@
             </p:sp>
           </mc:Fallback>
         </mc:AlternateContent>
-        <mc:AlternateContent xmlns:mc="http://schemas.openxmlformats.org/markup-compatibility/2006">
-          <mc:Choice xmlns:a14="http://schemas.microsoft.com/office/drawing/2010/main" Requires="a14">
+        <mc:AlternateContent xmlns:mc="http://schemas.openxmlformats.org/markup-compatibility/2006" xmlns:a14="http://schemas.microsoft.com/office/drawing/2010/main">
+          <mc:Choice Requires="a14">
             <p:sp>
               <p:nvSpPr>
                 <p:cNvPr id="68" name="CuadroTexto 67">
@@ -12946,6 +12975,7 @@
                 </a:bodyPr>
                 <a:lstStyle/>
                 <a:p>
+                  <a:pPr/>
                   <a14:m>
                     <m:oMathPara xmlns:m="http://schemas.openxmlformats.org/officeDocument/2006/math">
                       <m:oMathParaPr>
@@ -12990,7 +13020,7 @@
               </p:txBody>
             </p:sp>
           </mc:Choice>
-          <mc:Fallback>
+          <mc:Fallback xmlns="">
             <p:sp>
               <p:nvSpPr>
                 <p:cNvPr id="68" name="CuadroTexto 67">
@@ -13035,8 +13065,8 @@
             </p:sp>
           </mc:Fallback>
         </mc:AlternateContent>
-        <mc:AlternateContent xmlns:mc="http://schemas.openxmlformats.org/markup-compatibility/2006">
-          <mc:Choice xmlns:a14="http://schemas.microsoft.com/office/drawing/2010/main" Requires="a14">
+        <mc:AlternateContent xmlns:mc="http://schemas.openxmlformats.org/markup-compatibility/2006" xmlns:a14="http://schemas.microsoft.com/office/drawing/2010/main">
+          <mc:Choice Requires="a14">
             <p:sp>
               <p:nvSpPr>
                 <p:cNvPr id="6" name="CuadroTexto 5">
@@ -13163,7 +13193,7 @@
               </p:txBody>
             </p:sp>
           </mc:Choice>
-          <mc:Fallback>
+          <mc:Fallback xmlns="">
             <p:sp>
               <p:nvSpPr>
                 <p:cNvPr id="6" name="CuadroTexto 5">
@@ -13209,8 +13239,8 @@
           </mc:Fallback>
         </mc:AlternateContent>
       </p:grpSp>
-      <mc:AlternateContent xmlns:mc="http://schemas.openxmlformats.org/markup-compatibility/2006">
-        <mc:Choice xmlns:a14="http://schemas.microsoft.com/office/drawing/2010/main" Requires="a14">
+      <mc:AlternateContent xmlns:mc="http://schemas.openxmlformats.org/markup-compatibility/2006" xmlns:a14="http://schemas.microsoft.com/office/drawing/2010/main">
+        <mc:Choice Requires="a14">
           <p:sp>
             <p:nvSpPr>
               <p:cNvPr id="8" name="Rectángulo 7">
@@ -13278,7 +13308,7 @@
             </p:txBody>
           </p:sp>
         </mc:Choice>
-        <mc:Fallback>
+        <mc:Fallback xmlns="">
           <p:sp>
             <p:nvSpPr>
               <p:cNvPr id="8" name="Rectángulo 7">
@@ -13323,8 +13353,8 @@
           </p:sp>
         </mc:Fallback>
       </mc:AlternateContent>
-      <mc:AlternateContent xmlns:mc="http://schemas.openxmlformats.org/markup-compatibility/2006">
-        <mc:Choice xmlns:a14="http://schemas.microsoft.com/office/drawing/2010/main" Requires="a14">
+      <mc:AlternateContent xmlns:mc="http://schemas.openxmlformats.org/markup-compatibility/2006" xmlns:a14="http://schemas.microsoft.com/office/drawing/2010/main">
+        <mc:Choice Requires="a14">
           <p:sp>
             <p:nvSpPr>
               <p:cNvPr id="11" name="Rectángulo 10">
@@ -13587,7 +13617,7 @@
             </p:txBody>
           </p:sp>
         </mc:Choice>
-        <mc:Fallback>
+        <mc:Fallback xmlns="">
           <p:sp>
             <p:nvSpPr>
               <p:cNvPr id="11" name="Rectángulo 10">
@@ -13632,8 +13662,8 @@
           </p:sp>
         </mc:Fallback>
       </mc:AlternateContent>
-      <mc:AlternateContent xmlns:mc="http://schemas.openxmlformats.org/markup-compatibility/2006">
-        <mc:Choice xmlns:a14="http://schemas.microsoft.com/office/drawing/2010/main" Requires="a14">
+      <mc:AlternateContent xmlns:mc="http://schemas.openxmlformats.org/markup-compatibility/2006" xmlns:a14="http://schemas.microsoft.com/office/drawing/2010/main">
+        <mc:Choice Requires="a14">
           <p:sp>
             <p:nvSpPr>
               <p:cNvPr id="82" name="CuadroTexto 81">
@@ -13662,6 +13692,7 @@
               </a:bodyPr>
               <a:lstStyle/>
               <a:p>
+                <a:pPr/>
                 <a14:m>
                   <m:oMathPara xmlns:m="http://schemas.openxmlformats.org/officeDocument/2006/math">
                     <m:oMathParaPr>
@@ -13781,7 +13812,7 @@
             </p:txBody>
           </p:sp>
         </mc:Choice>
-        <mc:Fallback>
+        <mc:Fallback xmlns="">
           <p:sp>
             <p:nvSpPr>
               <p:cNvPr id="82" name="CuadroTexto 81">
@@ -13910,8 +13941,8 @@
               </a:fontRef>
             </p:style>
           </p:cxnSp>
-          <mc:AlternateContent xmlns:mc="http://schemas.openxmlformats.org/markup-compatibility/2006">
-            <mc:Choice xmlns:a14="http://schemas.microsoft.com/office/drawing/2010/main" Requires="a14">
+          <mc:AlternateContent xmlns:mc="http://schemas.openxmlformats.org/markup-compatibility/2006" xmlns:a14="http://schemas.microsoft.com/office/drawing/2010/main">
+            <mc:Choice Requires="a14">
               <p:sp>
                 <p:nvSpPr>
                   <p:cNvPr id="15" name="Rectángulo 14">
@@ -13957,7 +13988,7 @@
                 </p:txBody>
               </p:sp>
             </mc:Choice>
-            <mc:Fallback>
+            <mc:Fallback xmlns="">
               <p:sp>
                 <p:nvSpPr>
                   <p:cNvPr id="15" name="Rectángulo 14">
@@ -14044,8 +14075,8 @@
               </a:fontRef>
             </p:style>
           </p:cxnSp>
-          <mc:AlternateContent xmlns:mc="http://schemas.openxmlformats.org/markup-compatibility/2006">
-            <mc:Choice xmlns:a14="http://schemas.microsoft.com/office/drawing/2010/main" Requires="a14">
+          <mc:AlternateContent xmlns:mc="http://schemas.openxmlformats.org/markup-compatibility/2006" xmlns:a14="http://schemas.microsoft.com/office/drawing/2010/main">
+            <mc:Choice Requires="a14">
               <p:sp>
                 <p:nvSpPr>
                   <p:cNvPr id="35" name="Rectángulo 34">
@@ -14073,6 +14104,7 @@
                   </a:bodyPr>
                   <a:lstStyle/>
                   <a:p>
+                    <a:pPr/>
                     <a14:m>
                       <m:oMathPara xmlns:m="http://schemas.openxmlformats.org/officeDocument/2006/math">
                         <m:oMathParaPr>
@@ -14093,7 +14125,7 @@
                 </p:txBody>
               </p:sp>
             </mc:Choice>
-            <mc:Fallback>
+            <mc:Fallback xmlns="">
               <p:sp>
                 <p:nvSpPr>
                   <p:cNvPr id="35" name="Rectángulo 34">
@@ -14325,8 +14357,8 @@
               </a:fontRef>
             </p:style>
           </p:cxnSp>
-          <mc:AlternateContent xmlns:mc="http://schemas.openxmlformats.org/markup-compatibility/2006">
-            <mc:Choice xmlns:a14="http://schemas.microsoft.com/office/drawing/2010/main" Requires="a14">
+          <mc:AlternateContent xmlns:mc="http://schemas.openxmlformats.org/markup-compatibility/2006" xmlns:a14="http://schemas.microsoft.com/office/drawing/2010/main">
+            <mc:Choice Requires="a14">
               <p:sp>
                 <p:nvSpPr>
                   <p:cNvPr id="72" name="Rectángulo 71">
@@ -14354,6 +14386,7 @@
                   </a:bodyPr>
                   <a:lstStyle/>
                   <a:p>
+                    <a:pPr/>
                     <a14:m>
                       <m:oMathPara xmlns:m="http://schemas.openxmlformats.org/officeDocument/2006/math">
                         <m:oMathParaPr>
@@ -14399,7 +14432,7 @@
                 </p:txBody>
               </p:sp>
             </mc:Choice>
-            <mc:Fallback>
+            <mc:Fallback xmlns="">
               <p:sp>
                 <p:nvSpPr>
                   <p:cNvPr id="72" name="Rectángulo 71">
@@ -14582,8 +14615,8 @@
             </a:p>
           </p:txBody>
         </p:sp>
-        <mc:AlternateContent xmlns:mc="http://schemas.openxmlformats.org/markup-compatibility/2006">
-          <mc:Choice xmlns:a14="http://schemas.microsoft.com/office/drawing/2010/main" Requires="a14">
+        <mc:AlternateContent xmlns:mc="http://schemas.openxmlformats.org/markup-compatibility/2006" xmlns:a14="http://schemas.microsoft.com/office/drawing/2010/main">
+          <mc:Choice Requires="a14">
             <p:sp>
               <p:nvSpPr>
                 <p:cNvPr id="99" name="CuadroTexto 98">
@@ -14612,6 +14645,7 @@
                 </a:bodyPr>
                 <a:lstStyle/>
                 <a:p>
+                  <a:pPr/>
                   <a14:m>
                     <m:oMathPara xmlns:m="http://schemas.openxmlformats.org/officeDocument/2006/math">
                       <m:oMathParaPr>
@@ -14719,7 +14753,7 @@
               </p:txBody>
             </p:sp>
           </mc:Choice>
-          <mc:Fallback>
+          <mc:Fallback xmlns="">
             <p:sp>
               <p:nvSpPr>
                 <p:cNvPr id="99" name="CuadroTexto 98">
@@ -14765,8 +14799,8 @@
           </mc:Fallback>
         </mc:AlternateContent>
       </p:grpSp>
-      <mc:AlternateContent xmlns:mc="http://schemas.openxmlformats.org/markup-compatibility/2006">
-        <mc:Choice xmlns:a14="http://schemas.microsoft.com/office/drawing/2010/main" Requires="a14">
+      <mc:AlternateContent xmlns:mc="http://schemas.openxmlformats.org/markup-compatibility/2006" xmlns:a14="http://schemas.microsoft.com/office/drawing/2010/main">
+        <mc:Choice Requires="a14">
           <p:sp>
             <p:nvSpPr>
               <p:cNvPr id="101" name="CuadroTexto 100">
@@ -14836,7 +14870,7 @@
             </p:txBody>
           </p:sp>
         </mc:Choice>
-        <mc:Fallback>
+        <mc:Fallback xmlns="">
           <p:sp>
             <p:nvSpPr>
               <p:cNvPr id="101" name="CuadroTexto 100">
@@ -14881,8 +14915,8 @@
           </p:sp>
         </mc:Fallback>
       </mc:AlternateContent>
-      <mc:AlternateContent xmlns:mc="http://schemas.openxmlformats.org/markup-compatibility/2006">
-        <mc:Choice xmlns:a14="http://schemas.microsoft.com/office/drawing/2010/main" Requires="a14">
+      <mc:AlternateContent xmlns:mc="http://schemas.openxmlformats.org/markup-compatibility/2006" xmlns:a14="http://schemas.microsoft.com/office/drawing/2010/main">
+        <mc:Choice Requires="a14">
           <p:sp>
             <p:nvSpPr>
               <p:cNvPr id="102" name="Rectángulo 101">
@@ -14910,6 +14944,7 @@
               </a:bodyPr>
               <a:lstStyle/>
               <a:p>
+                <a:pPr/>
                 <a14:m>
                   <m:oMathPara xmlns:m="http://schemas.openxmlformats.org/officeDocument/2006/math">
                     <m:oMathParaPr>
@@ -14963,7 +14998,7 @@
             </p:txBody>
           </p:sp>
         </mc:Choice>
-        <mc:Fallback>
+        <mc:Fallback xmlns="">
           <p:sp>
             <p:nvSpPr>
               <p:cNvPr id="102" name="Rectángulo 101">
@@ -15008,8 +15043,8 @@
           </p:sp>
         </mc:Fallback>
       </mc:AlternateContent>
-      <mc:AlternateContent xmlns:mc="http://schemas.openxmlformats.org/markup-compatibility/2006">
-        <mc:Choice xmlns:a14="http://schemas.microsoft.com/office/drawing/2010/main" Requires="a14">
+      <mc:AlternateContent xmlns:mc="http://schemas.openxmlformats.org/markup-compatibility/2006" xmlns:a14="http://schemas.microsoft.com/office/drawing/2010/main">
+        <mc:Choice Requires="a14">
           <p:sp>
             <p:nvSpPr>
               <p:cNvPr id="103" name="Rectángulo 102">
@@ -15220,7 +15255,7 @@
             </p:txBody>
           </p:sp>
         </mc:Choice>
-        <mc:Fallback>
+        <mc:Fallback xmlns="">
           <p:sp>
             <p:nvSpPr>
               <p:cNvPr id="103" name="Rectángulo 102">
@@ -15310,8 +15345,8 @@
           </a:fontRef>
         </p:style>
       </p:cxnSp>
-      <mc:AlternateContent xmlns:mc="http://schemas.openxmlformats.org/markup-compatibility/2006">
-        <mc:Choice xmlns:a14="http://schemas.microsoft.com/office/drawing/2010/main" Requires="a14">
+      <mc:AlternateContent xmlns:mc="http://schemas.openxmlformats.org/markup-compatibility/2006" xmlns:a14="http://schemas.microsoft.com/office/drawing/2010/main">
+        <mc:Choice Requires="a14">
           <p:sp>
             <p:nvSpPr>
               <p:cNvPr id="108" name="Rectángulo 107">
@@ -15339,6 +15374,7 @@
               </a:bodyPr>
               <a:lstStyle/>
               <a:p>
+                <a:pPr/>
                 <a14:m>
                   <m:oMathPara xmlns:m="http://schemas.openxmlformats.org/officeDocument/2006/math">
                     <m:oMathParaPr>
@@ -15366,7 +15402,7 @@
             </p:txBody>
           </p:sp>
         </mc:Choice>
-        <mc:Fallback>
+        <mc:Fallback xmlns="">
           <p:sp>
             <p:nvSpPr>
               <p:cNvPr id="108" name="Rectángulo 107">
@@ -15411,8 +15447,8 @@
           </p:sp>
         </mc:Fallback>
       </mc:AlternateContent>
-      <mc:AlternateContent xmlns:mc="http://schemas.openxmlformats.org/markup-compatibility/2006">
-        <mc:Choice xmlns:a14="http://schemas.microsoft.com/office/drawing/2010/main" Requires="a14">
+      <mc:AlternateContent xmlns:mc="http://schemas.openxmlformats.org/markup-compatibility/2006" xmlns:a14="http://schemas.microsoft.com/office/drawing/2010/main">
+        <mc:Choice Requires="a14">
           <p:sp>
             <p:nvSpPr>
               <p:cNvPr id="109" name="CuadroTexto 108">
@@ -15466,7 +15502,7 @@
             </p:txBody>
           </p:sp>
         </mc:Choice>
-        <mc:Fallback>
+        <mc:Fallback xmlns="">
           <p:sp>
             <p:nvSpPr>
               <p:cNvPr id="109" name="CuadroTexto 108">
@@ -15511,8 +15547,8 @@
           </p:sp>
         </mc:Fallback>
       </mc:AlternateContent>
-      <mc:AlternateContent xmlns:mc="http://schemas.openxmlformats.org/markup-compatibility/2006">
-        <mc:Choice xmlns:a14="http://schemas.microsoft.com/office/drawing/2010/main" Requires="a14">
+      <mc:AlternateContent xmlns:mc="http://schemas.openxmlformats.org/markup-compatibility/2006" xmlns:a14="http://schemas.microsoft.com/office/drawing/2010/main">
+        <mc:Choice Requires="a14">
           <p:sp>
             <p:nvSpPr>
               <p:cNvPr id="110" name="CuadroTexto 109">
@@ -15754,7 +15790,7 @@
             </p:txBody>
           </p:sp>
         </mc:Choice>
-        <mc:Fallback>
+        <mc:Fallback xmlns="">
           <p:sp>
             <p:nvSpPr>
               <p:cNvPr id="110" name="CuadroTexto 109">
@@ -15799,8 +15835,8 @@
           </p:sp>
         </mc:Fallback>
       </mc:AlternateContent>
-      <mc:AlternateContent xmlns:mc="http://schemas.openxmlformats.org/markup-compatibility/2006">
-        <mc:Choice xmlns:a14="http://schemas.microsoft.com/office/drawing/2010/main" Requires="a14">
+      <mc:AlternateContent xmlns:mc="http://schemas.openxmlformats.org/markup-compatibility/2006" xmlns:a14="http://schemas.microsoft.com/office/drawing/2010/main">
+        <mc:Choice Requires="a14">
           <p:sp>
             <p:nvSpPr>
               <p:cNvPr id="112" name="Rectángulo 111">
@@ -15861,7 +15897,7 @@
             </p:txBody>
           </p:sp>
         </mc:Choice>
-        <mc:Fallback>
+        <mc:Fallback xmlns="">
           <p:sp>
             <p:nvSpPr>
               <p:cNvPr id="112" name="Rectángulo 111">
@@ -15906,8 +15942,8 @@
           </p:sp>
         </mc:Fallback>
       </mc:AlternateContent>
-      <mc:AlternateContent xmlns:mc="http://schemas.openxmlformats.org/markup-compatibility/2006">
-        <mc:Choice xmlns:a14="http://schemas.microsoft.com/office/drawing/2010/main" Requires="a14">
+      <mc:AlternateContent xmlns:mc="http://schemas.openxmlformats.org/markup-compatibility/2006" xmlns:a14="http://schemas.microsoft.com/office/drawing/2010/main">
+        <mc:Choice Requires="a14">
           <p:sp>
             <p:nvSpPr>
               <p:cNvPr id="113" name="Rectángulo 112">
@@ -15968,7 +16004,7 @@
             </p:txBody>
           </p:sp>
         </mc:Choice>
-        <mc:Fallback>
+        <mc:Fallback xmlns="">
           <p:sp>
             <p:nvSpPr>
               <p:cNvPr id="113" name="Rectángulo 112">
@@ -16013,8 +16049,8 @@
           </p:sp>
         </mc:Fallback>
       </mc:AlternateContent>
-      <mc:AlternateContent xmlns:mc="http://schemas.openxmlformats.org/markup-compatibility/2006">
-        <mc:Choice xmlns:a14="http://schemas.microsoft.com/office/drawing/2010/main" Requires="a14">
+      <mc:AlternateContent xmlns:mc="http://schemas.openxmlformats.org/markup-compatibility/2006" xmlns:a14="http://schemas.microsoft.com/office/drawing/2010/main">
+        <mc:Choice Requires="a14">
           <p:sp>
             <p:nvSpPr>
               <p:cNvPr id="114" name="Rectángulo 113">
@@ -16042,6 +16078,7 @@
               </a:bodyPr>
               <a:lstStyle/>
               <a:p>
+                <a:pPr/>
                 <a14:m>
                   <m:oMathPara xmlns:m="http://schemas.openxmlformats.org/officeDocument/2006/math">
                     <m:oMathParaPr>
@@ -16242,7 +16279,7 @@
             </p:txBody>
           </p:sp>
         </mc:Choice>
-        <mc:Fallback>
+        <mc:Fallback xmlns="">
           <p:sp>
             <p:nvSpPr>
               <p:cNvPr id="114" name="Rectángulo 113">
@@ -16612,8 +16649,8 @@
             </a:p>
           </p:txBody>
         </p:sp>
-        <mc:AlternateContent xmlns:mc="http://schemas.openxmlformats.org/markup-compatibility/2006">
-          <mc:Choice xmlns:a14="http://schemas.microsoft.com/office/drawing/2010/main" Requires="a14">
+        <mc:AlternateContent xmlns:mc="http://schemas.openxmlformats.org/markup-compatibility/2006" xmlns:a14="http://schemas.microsoft.com/office/drawing/2010/main">
+          <mc:Choice Requires="a14">
             <p:sp>
               <p:nvSpPr>
                 <p:cNvPr id="3" name="CuadroTexto 2">
@@ -16642,6 +16679,7 @@
                 </a:bodyPr>
                 <a:lstStyle/>
                 <a:p>
+                  <a:pPr/>
                   <a14:m>
                     <m:oMathPara xmlns:m="http://schemas.openxmlformats.org/officeDocument/2006/math">
                       <m:oMathParaPr>
@@ -16674,7 +16712,7 @@
               </p:txBody>
             </p:sp>
           </mc:Choice>
-          <mc:Fallback>
+          <mc:Fallback xmlns="">
             <p:sp>
               <p:nvSpPr>
                 <p:cNvPr id="3" name="CuadroTexto 2">
@@ -16719,8 +16757,8 @@
             </p:sp>
           </mc:Fallback>
         </mc:AlternateContent>
-        <mc:AlternateContent xmlns:mc="http://schemas.openxmlformats.org/markup-compatibility/2006">
-          <mc:Choice xmlns:a14="http://schemas.microsoft.com/office/drawing/2010/main" Requires="a14">
+        <mc:AlternateContent xmlns:mc="http://schemas.openxmlformats.org/markup-compatibility/2006" xmlns:a14="http://schemas.microsoft.com/office/drawing/2010/main">
+          <mc:Choice Requires="a14">
             <p:sp>
               <p:nvSpPr>
                 <p:cNvPr id="66" name="Rectángulo 65">
@@ -16748,6 +16786,7 @@
                 </a:bodyPr>
                 <a:lstStyle/>
                 <a:p>
+                  <a:pPr/>
                   <a14:m>
                     <m:oMathPara xmlns:m="http://schemas.openxmlformats.org/officeDocument/2006/math">
                       <m:oMathParaPr>
@@ -16769,7 +16808,7 @@
               </p:txBody>
             </p:sp>
           </mc:Choice>
-          <mc:Fallback>
+          <mc:Fallback xmlns="">
             <p:sp>
               <p:nvSpPr>
                 <p:cNvPr id="66" name="Rectángulo 65">
@@ -16814,8 +16853,8 @@
             </p:sp>
           </mc:Fallback>
         </mc:AlternateContent>
-        <mc:AlternateContent xmlns:mc="http://schemas.openxmlformats.org/markup-compatibility/2006">
-          <mc:Choice xmlns:a14="http://schemas.microsoft.com/office/drawing/2010/main" Requires="a14">
+        <mc:AlternateContent xmlns:mc="http://schemas.openxmlformats.org/markup-compatibility/2006" xmlns:a14="http://schemas.microsoft.com/office/drawing/2010/main">
+          <mc:Choice Requires="a14">
             <p:sp>
               <p:nvSpPr>
                 <p:cNvPr id="67" name="Rectángulo 66">
@@ -16843,6 +16882,7 @@
                 </a:bodyPr>
                 <a:lstStyle/>
                 <a:p>
+                  <a:pPr/>
                   <a14:m>
                     <m:oMathPara xmlns:m="http://schemas.openxmlformats.org/officeDocument/2006/math">
                       <m:oMathParaPr>
@@ -16864,7 +16904,7 @@
               </p:txBody>
             </p:sp>
           </mc:Choice>
-          <mc:Fallback>
+          <mc:Fallback xmlns="">
             <p:sp>
               <p:nvSpPr>
                 <p:cNvPr id="67" name="Rectángulo 66">
@@ -16909,8 +16949,8 @@
             </p:sp>
           </mc:Fallback>
         </mc:AlternateContent>
-        <mc:AlternateContent xmlns:mc="http://schemas.openxmlformats.org/markup-compatibility/2006">
-          <mc:Choice xmlns:a14="http://schemas.microsoft.com/office/drawing/2010/main" Requires="a14">
+        <mc:AlternateContent xmlns:mc="http://schemas.openxmlformats.org/markup-compatibility/2006" xmlns:a14="http://schemas.microsoft.com/office/drawing/2010/main">
+          <mc:Choice Requires="a14">
             <p:sp>
               <p:nvSpPr>
                 <p:cNvPr id="68" name="CuadroTexto 67">
@@ -16939,6 +16979,7 @@
                 </a:bodyPr>
                 <a:lstStyle/>
                 <a:p>
+                  <a:pPr/>
                   <a14:m>
                     <m:oMathPara xmlns:m="http://schemas.openxmlformats.org/officeDocument/2006/math">
                       <m:oMathParaPr>
@@ -16971,7 +17012,7 @@
               </p:txBody>
             </p:sp>
           </mc:Choice>
-          <mc:Fallback>
+          <mc:Fallback xmlns="">
             <p:sp>
               <p:nvSpPr>
                 <p:cNvPr id="68" name="CuadroTexto 67">
@@ -17016,8 +17057,8 @@
             </p:sp>
           </mc:Fallback>
         </mc:AlternateContent>
-        <mc:AlternateContent xmlns:mc="http://schemas.openxmlformats.org/markup-compatibility/2006">
-          <mc:Choice xmlns:a14="http://schemas.microsoft.com/office/drawing/2010/main" Requires="a14">
+        <mc:AlternateContent xmlns:mc="http://schemas.openxmlformats.org/markup-compatibility/2006" xmlns:a14="http://schemas.microsoft.com/office/drawing/2010/main">
+          <mc:Choice Requires="a14">
             <p:sp>
               <p:nvSpPr>
                 <p:cNvPr id="6" name="CuadroTexto 5">
@@ -17114,7 +17155,7 @@
               </p:txBody>
             </p:sp>
           </mc:Choice>
-          <mc:Fallback>
+          <mc:Fallback xmlns="">
             <p:sp>
               <p:nvSpPr>
                 <p:cNvPr id="6" name="CuadroTexto 5">
@@ -17160,8 +17201,8 @@
           </mc:Fallback>
         </mc:AlternateContent>
       </p:grpSp>
-      <mc:AlternateContent xmlns:mc="http://schemas.openxmlformats.org/markup-compatibility/2006">
-        <mc:Choice xmlns:a14="http://schemas.microsoft.com/office/drawing/2010/main" Requires="a14">
+      <mc:AlternateContent xmlns:mc="http://schemas.openxmlformats.org/markup-compatibility/2006" xmlns:a14="http://schemas.microsoft.com/office/drawing/2010/main">
+        <mc:Choice Requires="a14">
           <p:sp>
             <p:nvSpPr>
               <p:cNvPr id="120" name="Rectángulo 119">
@@ -17412,7 +17453,13 @@
                                 <a:rPr lang="es-ES" b="0" i="1" smtClean="0">
                                   <a:latin typeface="Cambria Math" panose="02040503050406030204" pitchFamily="18" charset="0"/>
                                 </a:rPr>
-                                <m:t>   0</m:t>
+                                <m:t> </m:t>
+                              </m:r>
+                              <m:r>
+                                <a:rPr lang="es-ES" b="0" i="1" smtClean="0">
+                                  <a:latin typeface="Cambria Math" panose="02040503050406030204" pitchFamily="18" charset="0"/>
+                                </a:rPr>
+                                <m:t>  0</m:t>
                               </m:r>
                             </m:e>
                           </m:mr>
@@ -17446,7 +17493,7 @@
             </p:txBody>
           </p:sp>
         </mc:Choice>
-        <mc:Fallback>
+        <mc:Fallback xmlns="">
           <p:sp>
             <p:nvSpPr>
               <p:cNvPr id="120" name="Rectángulo 119">
@@ -17491,8 +17538,8 @@
           </p:sp>
         </mc:Fallback>
       </mc:AlternateContent>
-      <mc:AlternateContent xmlns:mc="http://schemas.openxmlformats.org/markup-compatibility/2006">
-        <mc:Choice xmlns:a14="http://schemas.microsoft.com/office/drawing/2010/main" Requires="a14">
+      <mc:AlternateContent xmlns:mc="http://schemas.openxmlformats.org/markup-compatibility/2006" xmlns:a14="http://schemas.microsoft.com/office/drawing/2010/main">
+        <mc:Choice Requires="a14">
           <p:sp>
             <p:nvSpPr>
               <p:cNvPr id="121" name="Rectángulo 120">
@@ -17520,6 +17567,7 @@
               </a:bodyPr>
               <a:lstStyle/>
               <a:p>
+                <a:pPr/>
                 <a14:m>
                   <m:oMathPara xmlns:m="http://schemas.openxmlformats.org/officeDocument/2006/math">
                     <m:oMathParaPr>
@@ -17621,7 +17669,7 @@
             </p:txBody>
           </p:sp>
         </mc:Choice>
-        <mc:Fallback>
+        <mc:Fallback xmlns="">
           <p:sp>
             <p:nvSpPr>
               <p:cNvPr id="121" name="Rectángulo 120">
@@ -17666,8 +17714,8 @@
           </p:sp>
         </mc:Fallback>
       </mc:AlternateContent>
-      <mc:AlternateContent xmlns:mc="http://schemas.openxmlformats.org/markup-compatibility/2006">
-        <mc:Choice xmlns:a14="http://schemas.microsoft.com/office/drawing/2010/main" Requires="a14">
+      <mc:AlternateContent xmlns:mc="http://schemas.openxmlformats.org/markup-compatibility/2006" xmlns:a14="http://schemas.microsoft.com/office/drawing/2010/main">
+        <mc:Choice Requires="a14">
           <p:sp>
             <p:nvSpPr>
               <p:cNvPr id="122" name="Rectángulo 121">
@@ -17844,7 +17892,7 @@
             </p:txBody>
           </p:sp>
         </mc:Choice>
-        <mc:Fallback>
+        <mc:Fallback xmlns="">
           <p:sp>
             <p:nvSpPr>
               <p:cNvPr id="122" name="Rectángulo 121">
@@ -17889,8 +17937,8 @@
           </p:sp>
         </mc:Fallback>
       </mc:AlternateContent>
-      <mc:AlternateContent xmlns:mc="http://schemas.openxmlformats.org/markup-compatibility/2006">
-        <mc:Choice xmlns:a14="http://schemas.microsoft.com/office/drawing/2010/main" Requires="a14">
+      <mc:AlternateContent xmlns:mc="http://schemas.openxmlformats.org/markup-compatibility/2006" xmlns:a14="http://schemas.microsoft.com/office/drawing/2010/main">
+        <mc:Choice Requires="a14">
           <p:sp>
             <p:nvSpPr>
               <p:cNvPr id="123" name="Rectángulo 122">
@@ -17918,6 +17966,7 @@
               </a:bodyPr>
               <a:lstStyle/>
               <a:p>
+                <a:pPr/>
                 <a14:m>
                   <m:oMathPara xmlns:m="http://schemas.openxmlformats.org/officeDocument/2006/math">
                     <m:oMathParaPr>
@@ -18070,7 +18119,7 @@
             </p:txBody>
           </p:sp>
         </mc:Choice>
-        <mc:Fallback>
+        <mc:Fallback xmlns="">
           <p:sp>
             <p:nvSpPr>
               <p:cNvPr id="123" name="Rectángulo 122">
@@ -18115,8 +18164,8 @@
           </p:sp>
         </mc:Fallback>
       </mc:AlternateContent>
-      <mc:AlternateContent xmlns:mc="http://schemas.openxmlformats.org/markup-compatibility/2006">
-        <mc:Choice xmlns:a14="http://schemas.microsoft.com/office/drawing/2010/main" Requires="a14">
+      <mc:AlternateContent xmlns:mc="http://schemas.openxmlformats.org/markup-compatibility/2006" xmlns:a14="http://schemas.microsoft.com/office/drawing/2010/main">
+        <mc:Choice Requires="a14">
           <p:sp>
             <p:nvSpPr>
               <p:cNvPr id="126" name="Rectángulo 125">
@@ -18264,7 +18313,7 @@
             </p:txBody>
           </p:sp>
         </mc:Choice>
-        <mc:Fallback>
+        <mc:Fallback xmlns="">
           <p:sp>
             <p:nvSpPr>
               <p:cNvPr id="126" name="Rectángulo 125">
@@ -18309,8 +18358,8 @@
           </p:sp>
         </mc:Fallback>
       </mc:AlternateContent>
-      <mc:AlternateContent xmlns:mc="http://schemas.openxmlformats.org/markup-compatibility/2006">
-        <mc:Choice xmlns:a14="http://schemas.microsoft.com/office/drawing/2010/main" Requires="a14">
+      <mc:AlternateContent xmlns:mc="http://schemas.openxmlformats.org/markup-compatibility/2006" xmlns:a14="http://schemas.microsoft.com/office/drawing/2010/main">
+        <mc:Choice Requires="a14">
           <p:sp>
             <p:nvSpPr>
               <p:cNvPr id="127" name="Rectángulo 126">
@@ -18338,7 +18387,6 @@
               </a:bodyPr>
               <a:lstStyle/>
               <a:p>
-                <a:pPr/>
                 <a:r>
                   <a:rPr lang="es-PY" i="1" dirty="0">
                     <a:latin typeface="Cambria Math" panose="02040503050406030204" pitchFamily="18" charset="0"/>
@@ -18416,7 +18464,7 @@
             </p:txBody>
           </p:sp>
         </mc:Choice>
-        <mc:Fallback>
+        <mc:Fallback xmlns="">
           <p:sp>
             <p:nvSpPr>
               <p:cNvPr id="127" name="Rectángulo 126">
@@ -18461,8 +18509,8 @@
           </p:sp>
         </mc:Fallback>
       </mc:AlternateContent>
-      <mc:AlternateContent xmlns:mc="http://schemas.openxmlformats.org/markup-compatibility/2006">
-        <mc:Choice xmlns:a14="http://schemas.microsoft.com/office/drawing/2010/main" Requires="a14">
+      <mc:AlternateContent xmlns:mc="http://schemas.openxmlformats.org/markup-compatibility/2006" xmlns:a14="http://schemas.microsoft.com/office/drawing/2010/main">
+        <mc:Choice Requires="a14">
           <p:sp>
             <p:nvSpPr>
               <p:cNvPr id="4" name="Rectángulo 3">
@@ -18490,6 +18538,7 @@
               </a:bodyPr>
               <a:lstStyle/>
               <a:p>
+                <a:pPr/>
                 <a14:m>
                   <m:oMathPara xmlns:m="http://schemas.openxmlformats.org/officeDocument/2006/math">
                     <m:oMathParaPr>
@@ -18582,7 +18631,7 @@
             </p:txBody>
           </p:sp>
         </mc:Choice>
-        <mc:Fallback>
+        <mc:Fallback xmlns="">
           <p:sp>
             <p:nvSpPr>
               <p:cNvPr id="4" name="Rectángulo 3">
@@ -18627,8 +18676,8 @@
           </p:sp>
         </mc:Fallback>
       </mc:AlternateContent>
-      <mc:AlternateContent xmlns:mc="http://schemas.openxmlformats.org/markup-compatibility/2006">
-        <mc:Choice xmlns:a14="http://schemas.microsoft.com/office/drawing/2010/main" Requires="a14">
+      <mc:AlternateContent xmlns:mc="http://schemas.openxmlformats.org/markup-compatibility/2006" xmlns:a14="http://schemas.microsoft.com/office/drawing/2010/main">
+        <mc:Choice Requires="a14">
           <p:sp>
             <p:nvSpPr>
               <p:cNvPr id="5" name="Rectángulo 4">
@@ -18656,6 +18705,7 @@
               </a:bodyPr>
               <a:lstStyle/>
               <a:p>
+                <a:pPr/>
                 <a14:m>
                   <m:oMathPara xmlns:m="http://schemas.openxmlformats.org/officeDocument/2006/math">
                     <m:oMathParaPr>
@@ -18748,7 +18798,7 @@
             </p:txBody>
           </p:sp>
         </mc:Choice>
-        <mc:Fallback>
+        <mc:Fallback xmlns="">
           <p:sp>
             <p:nvSpPr>
               <p:cNvPr id="5" name="Rectángulo 4">
@@ -18828,8 +18878,8 @@
           </a:p>
         </p:txBody>
       </p:sp>
-      <mc:AlternateContent xmlns:mc="http://schemas.openxmlformats.org/markup-compatibility/2006">
-        <mc:Choice xmlns:a14="http://schemas.microsoft.com/office/drawing/2010/main" Requires="a14">
+      <mc:AlternateContent xmlns:mc="http://schemas.openxmlformats.org/markup-compatibility/2006" xmlns:a14="http://schemas.microsoft.com/office/drawing/2010/main">
+        <mc:Choice Requires="a14">
           <p:sp>
             <p:nvSpPr>
               <p:cNvPr id="9" name="Rectángulo 8">
@@ -19205,7 +19255,7 @@
             </p:txBody>
           </p:sp>
         </mc:Choice>
-        <mc:Fallback>
+        <mc:Fallback xmlns="">
           <p:sp>
             <p:nvSpPr>
               <p:cNvPr id="9" name="Rectángulo 8">
@@ -19250,8 +19300,8 @@
           </p:sp>
         </mc:Fallback>
       </mc:AlternateContent>
-      <mc:AlternateContent xmlns:mc="http://schemas.openxmlformats.org/markup-compatibility/2006">
-        <mc:Choice xmlns:a14="http://schemas.microsoft.com/office/drawing/2010/main" Requires="a14">
+      <mc:AlternateContent xmlns:mc="http://schemas.openxmlformats.org/markup-compatibility/2006" xmlns:a14="http://schemas.microsoft.com/office/drawing/2010/main">
+        <mc:Choice Requires="a14">
           <p:sp>
             <p:nvSpPr>
               <p:cNvPr id="59" name="Rectángulo 58">
@@ -19444,7 +19494,7 @@
             </p:txBody>
           </p:sp>
         </mc:Choice>
-        <mc:Fallback>
+        <mc:Fallback xmlns="">
           <p:sp>
             <p:nvSpPr>
               <p:cNvPr id="59" name="Rectángulo 58">
@@ -19489,8 +19539,8 @@
           </p:sp>
         </mc:Fallback>
       </mc:AlternateContent>
-      <mc:AlternateContent xmlns:mc="http://schemas.openxmlformats.org/markup-compatibility/2006">
-        <mc:Choice xmlns:a14="http://schemas.microsoft.com/office/drawing/2010/main" Requires="a14">
+      <mc:AlternateContent xmlns:mc="http://schemas.openxmlformats.org/markup-compatibility/2006" xmlns:a14="http://schemas.microsoft.com/office/drawing/2010/main">
+        <mc:Choice Requires="a14">
           <p:sp>
             <p:nvSpPr>
               <p:cNvPr id="60" name="1 Título">
@@ -19535,6 +19585,7 @@
                 </a:lvl1pPr>
               </a:lstStyle>
               <a:p>
+                <a:pPr/>
                 <a14:m>
                   <m:oMathPara xmlns:m="http://schemas.openxmlformats.org/officeDocument/2006/math">
                     <m:oMathParaPr>
@@ -19567,7 +19618,7 @@
             </p:txBody>
           </p:sp>
         </mc:Choice>
-        <mc:Fallback>
+        <mc:Fallback xmlns="">
           <p:sp>
             <p:nvSpPr>
               <p:cNvPr id="60" name="1 Título">
@@ -19612,8 +19663,8 @@
           </p:sp>
         </mc:Fallback>
       </mc:AlternateContent>
-      <mc:AlternateContent xmlns:mc="http://schemas.openxmlformats.org/markup-compatibility/2006">
-        <mc:Choice xmlns:a14="http://schemas.microsoft.com/office/drawing/2010/main" Requires="a14">
+      <mc:AlternateContent xmlns:mc="http://schemas.openxmlformats.org/markup-compatibility/2006" xmlns:a14="http://schemas.microsoft.com/office/drawing/2010/main">
+        <mc:Choice Requires="a14">
           <p:sp>
             <p:nvSpPr>
               <p:cNvPr id="63" name="Rectángulo 62">
@@ -19641,7 +19692,6 @@
               </a:bodyPr>
               <a:lstStyle/>
               <a:p>
-                <a:pPr/>
                 <a:r>
                   <a:rPr lang="es-PY" i="1" dirty="0">
                     <a:latin typeface="Cambria Math" panose="02040503050406030204" pitchFamily="18" charset="0"/>
@@ -19800,7 +19850,7 @@
             </p:txBody>
           </p:sp>
         </mc:Choice>
-        <mc:Fallback>
+        <mc:Fallback xmlns="">
           <p:sp>
             <p:nvSpPr>
               <p:cNvPr id="63" name="Rectángulo 62">
@@ -19845,8 +19895,8 @@
           </p:sp>
         </mc:Fallback>
       </mc:AlternateContent>
-      <mc:AlternateContent xmlns:mc="http://schemas.openxmlformats.org/markup-compatibility/2006">
-        <mc:Choice xmlns:a14="http://schemas.microsoft.com/office/drawing/2010/main" Requires="a14">
+      <mc:AlternateContent xmlns:mc="http://schemas.openxmlformats.org/markup-compatibility/2006" xmlns:a14="http://schemas.microsoft.com/office/drawing/2010/main">
+        <mc:Choice Requires="a14">
           <p:sp>
             <p:nvSpPr>
               <p:cNvPr id="65" name="Rectángulo 64">
@@ -19874,7 +19924,6 @@
               </a:bodyPr>
               <a:lstStyle/>
               <a:p>
-                <a:pPr/>
                 <a:r>
                   <a:rPr lang="es-PY" i="1" dirty="0">
                     <a:latin typeface="Cambria Math" panose="02040503050406030204" pitchFamily="18" charset="0"/>
@@ -20033,7 +20082,7 @@
             </p:txBody>
           </p:sp>
         </mc:Choice>
-        <mc:Fallback>
+        <mc:Fallback xmlns="">
           <p:sp>
             <p:nvSpPr>
               <p:cNvPr id="65" name="Rectángulo 64">
@@ -20078,189 +20127,8 @@
           </p:sp>
         </mc:Fallback>
       </mc:AlternateContent>
-      <mc:AlternateContent xmlns:mc="http://schemas.openxmlformats.org/markup-compatibility/2006">
-        <mc:Choice xmlns:a14="http://schemas.microsoft.com/office/drawing/2010/main" Requires="a14">
-          <p:sp>
-            <p:nvSpPr>
-              <p:cNvPr id="12" name="Rectángulo 11">
-                <a:extLst>
-                  <a:ext uri="{FF2B5EF4-FFF2-40B4-BE49-F238E27FC236}">
-                    <a16:creationId xmlns:a16="http://schemas.microsoft.com/office/drawing/2014/main" id="{85E60BC1-3B1F-5348-AD4C-594DF76D8270}"/>
-                  </a:ext>
-                </a:extLst>
-              </p:cNvPr>
-              <p:cNvSpPr/>
-              <p:nvPr/>
-            </p:nvSpPr>
-            <p:spPr>
-              <a:xfrm>
-                <a:off x="4006941" y="3244334"/>
-                <a:ext cx="1130117" cy="369332"/>
-              </a:xfrm>
-              <a:prstGeom prst="rect">
-                <a:avLst/>
-              </a:prstGeom>
-            </p:spPr>
-            <p:txBody>
-              <a:bodyPr wrap="none">
-                <a:spAutoFit/>
-              </a:bodyPr>
-              <a:lstStyle/>
-              <a:p>
-                <a14:m>
-                  <m:oMathPara xmlns:m="http://schemas.openxmlformats.org/officeDocument/2006/math">
-                    <m:oMathParaPr>
-                      <m:jc m:val="centerGroup"/>
-                    </m:oMathParaPr>
-                    <m:oMath xmlns:m="http://schemas.openxmlformats.org/officeDocument/2006/math">
-                      <m:d>
-                        <m:dPr>
-                          <m:begChr m:val="["/>
-                          <m:endChr m:val="]"/>
-                          <m:ctrlPr>
-                            <a:rPr lang="es-PY" i="1">
-                              <a:latin typeface="Cambria Math" panose="02040503050406030204" pitchFamily="18" charset="0"/>
-                            </a:rPr>
-                          </m:ctrlPr>
-                        </m:dPr>
-                        <m:e>
-                          <m:m>
-                            <m:mPr>
-                              <m:mcs>
-                                <m:mc>
-                                  <m:mcPr>
-                                    <m:count m:val="2"/>
-                                    <m:mcJc m:val="center"/>
-                                  </m:mcPr>
-                                </m:mc>
-                              </m:mcs>
-                              <m:ctrlPr>
-                                <a:rPr lang="es-PY" i="1">
-                                  <a:latin typeface="Cambria Math" panose="02040503050406030204" pitchFamily="18" charset="0"/>
-                                </a:rPr>
-                              </m:ctrlPr>
-                            </m:mPr>
-                            <m:mr>
-                              <m:e>
-                                <m:sSub>
-                                  <m:sSubPr>
-                                    <m:ctrlPr>
-                                      <a:rPr lang="es-PY" i="1">
-                                        <a:latin typeface="Cambria Math" panose="02040503050406030204" pitchFamily="18" charset="0"/>
-                                      </a:rPr>
-                                    </m:ctrlPr>
-                                  </m:sSubPr>
-                                  <m:e>
-                                    <m:r>
-                                      <a:rPr lang="es-ES" i="1">
-                                        <a:latin typeface="Cambria Math" panose="02040503050406030204" pitchFamily="18" charset="0"/>
-                                      </a:rPr>
-                                      <m:t>𝑞</m:t>
-                                    </m:r>
-                                  </m:e>
-                                  <m:sub>
-                                    <m:r>
-                                      <a:rPr lang="es-ES" i="1">
-                                        <a:latin typeface="Cambria Math" panose="02040503050406030204" pitchFamily="18" charset="0"/>
-                                      </a:rPr>
-                                      <m:t>1</m:t>
-                                    </m:r>
-                                  </m:sub>
-                                </m:sSub>
-                              </m:e>
-                              <m:e>
-                                <m:sSub>
-                                  <m:sSubPr>
-                                    <m:ctrlPr>
-                                      <a:rPr lang="es-PY" i="1">
-                                        <a:latin typeface="Cambria Math" panose="02040503050406030204" pitchFamily="18" charset="0"/>
-                                      </a:rPr>
-                                    </m:ctrlPr>
-                                  </m:sSubPr>
-                                  <m:e>
-                                    <m:r>
-                                      <a:rPr lang="es-ES" i="1">
-                                        <a:latin typeface="Cambria Math" panose="02040503050406030204" pitchFamily="18" charset="0"/>
-                                      </a:rPr>
-                                      <m:t>𝑞</m:t>
-                                    </m:r>
-                                  </m:e>
-                                  <m:sub>
-                                    <m:r>
-                                      <a:rPr lang="es-ES" i="1">
-                                        <a:latin typeface="Cambria Math" panose="02040503050406030204" pitchFamily="18" charset="0"/>
-                                      </a:rPr>
-                                      <m:t>2</m:t>
-                                    </m:r>
-                                  </m:sub>
-                                </m:sSub>
-                              </m:e>
-                            </m:mr>
-                          </m:m>
-                        </m:e>
-                      </m:d>
-                      <m:r>
-                        <a:rPr lang="es-PY" i="1">
-                          <a:latin typeface="Cambria Math" panose="02040503050406030204" pitchFamily="18" charset="0"/>
-                          <a:ea typeface="Cambria Math" panose="02040503050406030204" pitchFamily="18" charset="0"/>
-                        </a:rPr>
-                        <m:t> </m:t>
-                      </m:r>
-                    </m:oMath>
-                  </m:oMathPara>
-                </a14:m>
-                <a:endParaRPr lang="es-PY" dirty="0"/>
-              </a:p>
-            </p:txBody>
-          </p:sp>
-        </mc:Choice>
-        <mc:Fallback>
-          <p:sp>
-            <p:nvSpPr>
-              <p:cNvPr id="12" name="Rectángulo 11">
-                <a:extLst>
-                  <a:ext uri="{FF2B5EF4-FFF2-40B4-BE49-F238E27FC236}">
-                    <a16:creationId xmlns:a16="http://schemas.microsoft.com/office/drawing/2014/main" id="{85E60BC1-3B1F-5348-AD4C-594DF76D8270}"/>
-                  </a:ext>
-                </a:extLst>
-              </p:cNvPr>
-              <p:cNvSpPr>
-                <a:spLocks noRot="1" noChangeAspect="1" noMove="1" noResize="1" noEditPoints="1" noAdjustHandles="1" noChangeArrowheads="1" noChangeShapeType="1" noTextEdit="1"/>
-              </p:cNvSpPr>
-              <p:nvPr/>
-            </p:nvSpPr>
-            <p:spPr>
-              <a:xfrm>
-                <a:off x="4006941" y="3244334"/>
-                <a:ext cx="1130117" cy="369332"/>
-              </a:xfrm>
-              <a:prstGeom prst="rect">
-                <a:avLst/>
-              </a:prstGeom>
-              <a:blipFill>
-                <a:blip r:embed="rId20"/>
-                <a:stretch>
-                  <a:fillRect b="-9677"/>
-                </a:stretch>
-              </a:blipFill>
-            </p:spPr>
-            <p:txBody>
-              <a:bodyPr/>
-              <a:lstStyle/>
-              <a:p>
-                <a:r>
-                  <a:rPr lang="es-PY">
-                    <a:noFill/>
-                  </a:rPr>
-                  <a:t> </a:t>
-                </a:r>
-              </a:p>
-            </p:txBody>
-          </p:sp>
-        </mc:Fallback>
-      </mc:AlternateContent>
-      <mc:AlternateContent xmlns:mc="http://schemas.openxmlformats.org/markup-compatibility/2006">
-        <mc:Choice xmlns:a14="http://schemas.microsoft.com/office/drawing/2010/main" Requires="a14">
+      <mc:AlternateContent xmlns:mc="http://schemas.openxmlformats.org/markup-compatibility/2006" xmlns:a14="http://schemas.microsoft.com/office/drawing/2010/main">
+        <mc:Choice Requires="a14">
           <p:sp>
             <p:nvSpPr>
               <p:cNvPr id="14" name="Rectángulo 13">
@@ -21035,7 +20903,7 @@
             </p:txBody>
           </p:sp>
         </mc:Choice>
-        <mc:Fallback>
+        <mc:Fallback xmlns="">
           <p:sp>
             <p:nvSpPr>
               <p:cNvPr id="14" name="Rectángulo 13">
